--- a/introR.workshop/welcome.pptx
+++ b/introR.workshop/welcome.pptx
@@ -7220,6 +7220,13 @@
               <a:rPr lang="en-US" dirty="0"/>
               <a:t>Introduction to R</a:t>
             </a:r>
+            <a:br>
+              <a:rPr lang="en-US" dirty="0"/>
+            </a:br>
+            <a:r>
+              <a:rPr lang="en-US" dirty="0"/>
+              <a:t>R-Ladies workshop</a:t>
+            </a:r>
           </a:p>
         </p:txBody>
       </p:sp>

--- a/introR.workshop/welcome.pptx
+++ b/introR.workshop/welcome.pptx
@@ -5,19 +5,20 @@
     <p:sldMasterId id="2147483648" r:id="rId1"/>
   </p:sldMasterIdLst>
   <p:notesMasterIdLst>
-    <p:notesMasterId r:id="rId12"/>
+    <p:notesMasterId r:id="rId13"/>
   </p:notesMasterIdLst>
   <p:sldIdLst>
     <p:sldId id="257" r:id="rId2"/>
     <p:sldId id="256" r:id="rId3"/>
-    <p:sldId id="260" r:id="rId4"/>
-    <p:sldId id="274" r:id="rId5"/>
-    <p:sldId id="275" r:id="rId6"/>
-    <p:sldId id="271" r:id="rId7"/>
-    <p:sldId id="269" r:id="rId8"/>
-    <p:sldId id="264" r:id="rId9"/>
-    <p:sldId id="268" r:id="rId10"/>
-    <p:sldId id="265" r:id="rId11"/>
+    <p:sldId id="276" r:id="rId4"/>
+    <p:sldId id="260" r:id="rId5"/>
+    <p:sldId id="274" r:id="rId6"/>
+    <p:sldId id="275" r:id="rId7"/>
+    <p:sldId id="271" r:id="rId8"/>
+    <p:sldId id="269" r:id="rId9"/>
+    <p:sldId id="264" r:id="rId10"/>
+    <p:sldId id="268" r:id="rId11"/>
+    <p:sldId id="265" r:id="rId12"/>
   </p:sldIdLst>
   <p:sldSz cx="12192000" cy="6858000"/>
   <p:notesSz cx="6858000" cy="9144000"/>
@@ -3295,7 +3296,7 @@
           <a:p>
             <a:fld id="{8DE5ACA0-FC77-BC4C-AAE0-1D67D172E8E4}" type="datetimeFigureOut">
               <a:rPr lang="en-US" smtClean="0"/>
-              <a:t>9/20/22</a:t>
+              <a:t>6/12/23</a:t>
             </a:fld>
             <a:endParaRPr lang="en-US"/>
           </a:p>
@@ -3709,7 +3710,7 @@
           <a:p>
             <a:fld id="{88E640F0-257D-0F49-B2E6-A4C31CE005C4}" type="datetimeFigureOut">
               <a:rPr lang="en-US" smtClean="0"/>
-              <a:t>9/20/22</a:t>
+              <a:t>6/12/23</a:t>
             </a:fld>
             <a:endParaRPr lang="en-US"/>
           </a:p>
@@ -3907,7 +3908,7 @@
           <a:p>
             <a:fld id="{88E640F0-257D-0F49-B2E6-A4C31CE005C4}" type="datetimeFigureOut">
               <a:rPr lang="en-US" smtClean="0"/>
-              <a:t>9/20/22</a:t>
+              <a:t>6/12/23</a:t>
             </a:fld>
             <a:endParaRPr lang="en-US"/>
           </a:p>
@@ -4115,7 +4116,7 @@
           <a:p>
             <a:fld id="{88E640F0-257D-0F49-B2E6-A4C31CE005C4}" type="datetimeFigureOut">
               <a:rPr lang="en-US" smtClean="0"/>
-              <a:t>9/20/22</a:t>
+              <a:t>6/12/23</a:t>
             </a:fld>
             <a:endParaRPr lang="en-US"/>
           </a:p>
@@ -4313,7 +4314,7 @@
           <a:p>
             <a:fld id="{88E640F0-257D-0F49-B2E6-A4C31CE005C4}" type="datetimeFigureOut">
               <a:rPr lang="en-US" smtClean="0"/>
-              <a:t>9/20/22</a:t>
+              <a:t>6/12/23</a:t>
             </a:fld>
             <a:endParaRPr lang="en-US"/>
           </a:p>
@@ -4588,7 +4589,7 @@
           <a:p>
             <a:fld id="{88E640F0-257D-0F49-B2E6-A4C31CE005C4}" type="datetimeFigureOut">
               <a:rPr lang="en-US" smtClean="0"/>
-              <a:t>9/20/22</a:t>
+              <a:t>6/12/23</a:t>
             </a:fld>
             <a:endParaRPr lang="en-US"/>
           </a:p>
@@ -4853,7 +4854,7 @@
           <a:p>
             <a:fld id="{88E640F0-257D-0F49-B2E6-A4C31CE005C4}" type="datetimeFigureOut">
               <a:rPr lang="en-US" smtClean="0"/>
-              <a:t>9/20/22</a:t>
+              <a:t>6/12/23</a:t>
             </a:fld>
             <a:endParaRPr lang="en-US"/>
           </a:p>
@@ -5265,7 +5266,7 @@
           <a:p>
             <a:fld id="{88E640F0-257D-0F49-B2E6-A4C31CE005C4}" type="datetimeFigureOut">
               <a:rPr lang="en-US" smtClean="0"/>
-              <a:t>9/20/22</a:t>
+              <a:t>6/12/23</a:t>
             </a:fld>
             <a:endParaRPr lang="en-US"/>
           </a:p>
@@ -5406,7 +5407,7 @@
           <a:p>
             <a:fld id="{88E640F0-257D-0F49-B2E6-A4C31CE005C4}" type="datetimeFigureOut">
               <a:rPr lang="en-US" smtClean="0"/>
-              <a:t>9/20/22</a:t>
+              <a:t>6/12/23</a:t>
             </a:fld>
             <a:endParaRPr lang="en-US"/>
           </a:p>
@@ -5519,7 +5520,7 @@
           <a:p>
             <a:fld id="{88E640F0-257D-0F49-B2E6-A4C31CE005C4}" type="datetimeFigureOut">
               <a:rPr lang="en-US" smtClean="0"/>
-              <a:t>9/20/22</a:t>
+              <a:t>6/12/23</a:t>
             </a:fld>
             <a:endParaRPr lang="en-US"/>
           </a:p>
@@ -5830,7 +5831,7 @@
           <a:p>
             <a:fld id="{88E640F0-257D-0F49-B2E6-A4C31CE005C4}" type="datetimeFigureOut">
               <a:rPr lang="en-US" smtClean="0"/>
-              <a:t>9/20/22</a:t>
+              <a:t>6/12/23</a:t>
             </a:fld>
             <a:endParaRPr lang="en-US"/>
           </a:p>
@@ -6118,7 +6119,7 @@
           <a:p>
             <a:fld id="{88E640F0-257D-0F49-B2E6-A4C31CE005C4}" type="datetimeFigureOut">
               <a:rPr lang="en-US" smtClean="0"/>
-              <a:t>9/20/22</a:t>
+              <a:t>6/12/23</a:t>
             </a:fld>
             <a:endParaRPr lang="en-US"/>
           </a:p>
@@ -6359,7 +6360,7 @@
           <a:p>
             <a:fld id="{88E640F0-257D-0F49-B2E6-A4C31CE005C4}" type="datetimeFigureOut">
               <a:rPr lang="en-US" smtClean="0"/>
-              <a:t>9/20/22</a:t>
+              <a:t>6/12/23</a:t>
             </a:fld>
             <a:endParaRPr lang="en-US"/>
           </a:p>
@@ -6760,6 +6761,329 @@
 </file>
 
 <file path=ppt/slides/slide1.xml><?xml version="1.0" encoding="utf-8"?>
+<p:sld xmlns:a="http://schemas.openxmlformats.org/drawingml/2006/main" xmlns:r="http://schemas.openxmlformats.org/officeDocument/2006/relationships" xmlns:p="http://schemas.openxmlformats.org/presentationml/2006/main" show="0">
+  <p:cSld>
+    <p:spTree>
+      <p:nvGrpSpPr>
+        <p:cNvPr id="1" name=""/>
+        <p:cNvGrpSpPr/>
+        <p:nvPr/>
+      </p:nvGrpSpPr>
+      <p:grpSpPr>
+        <a:xfrm>
+          <a:off x="0" y="0"/>
+          <a:ext cx="0" cy="0"/>
+          <a:chOff x="0" y="0"/>
+          <a:chExt cx="0" cy="0"/>
+        </a:xfrm>
+      </p:grpSpPr>
+      <p:sp>
+        <p:nvSpPr>
+          <p:cNvPr id="2" name="Title 1">
+            <a:extLst>
+              <a:ext uri="{FF2B5EF4-FFF2-40B4-BE49-F238E27FC236}">
+                <a16:creationId xmlns:a16="http://schemas.microsoft.com/office/drawing/2014/main" id="{7D13644E-C3A2-5D66-2A1F-D9F17B0019AC}"/>
+              </a:ext>
+            </a:extLst>
+          </p:cNvPr>
+          <p:cNvSpPr>
+            <a:spLocks noGrp="1"/>
+          </p:cNvSpPr>
+          <p:nvPr>
+            <p:ph type="title"/>
+          </p:nvPr>
+        </p:nvSpPr>
+        <p:spPr/>
+        <p:txBody>
+          <a:bodyPr/>
+          <a:lstStyle/>
+          <a:p>
+            <a:r>
+              <a:rPr lang="en-US" dirty="0"/>
+              <a:t>Before we start, please…</a:t>
+            </a:r>
+          </a:p>
+        </p:txBody>
+      </p:sp>
+      <p:sp>
+        <p:nvSpPr>
+          <p:cNvPr id="3" name="Content Placeholder 2">
+            <a:extLst>
+              <a:ext uri="{FF2B5EF4-FFF2-40B4-BE49-F238E27FC236}">
+                <a16:creationId xmlns:a16="http://schemas.microsoft.com/office/drawing/2014/main" id="{C5052EF5-963D-2612-85F1-26983B66D8C2}"/>
+              </a:ext>
+            </a:extLst>
+          </p:cNvPr>
+          <p:cNvSpPr>
+            <a:spLocks noGrp="1"/>
+          </p:cNvSpPr>
+          <p:nvPr>
+            <p:ph idx="1"/>
+          </p:nvPr>
+        </p:nvSpPr>
+        <p:spPr>
+          <a:xfrm>
+            <a:off x="838200" y="1491343"/>
+            <a:ext cx="10515600" cy="5001532"/>
+          </a:xfrm>
+        </p:spPr>
+        <p:txBody>
+          <a:bodyPr>
+            <a:normAutofit/>
+          </a:bodyPr>
+          <a:lstStyle/>
+          <a:p>
+            <a:pPr marL="0" indent="0">
+              <a:buNone/>
+            </a:pPr>
+            <a:endParaRPr lang="en-US" dirty="0"/>
+          </a:p>
+          <a:p>
+            <a:r>
+              <a:rPr lang="en-US" dirty="0"/>
+              <a:t>Download the data </a:t>
+            </a:r>
+            <a:r>
+              <a:rPr lang="en-US" dirty="0">
+                <a:solidFill>
+                  <a:srgbClr val="0070C0"/>
+                </a:solidFill>
+              </a:rPr>
+              <a:t>https://github.com/BIGslu/workshops/raw/main/setup/data/data.zip</a:t>
+            </a:r>
+          </a:p>
+          <a:p>
+            <a:r>
+              <a:rPr lang="en-US" dirty="0"/>
+              <a:t>Install R </a:t>
+            </a:r>
+            <a:r>
+              <a:rPr lang="en-US" dirty="0">
+                <a:solidFill>
+                  <a:srgbClr val="0070C0"/>
+                </a:solidFill>
+              </a:rPr>
+              <a:t>cran.r-project.org</a:t>
+            </a:r>
+          </a:p>
+          <a:p>
+            <a:r>
+              <a:rPr lang="en-US" dirty="0"/>
+              <a:t>Install RStudio </a:t>
+            </a:r>
+            <a:r>
+              <a:rPr lang="en-US" dirty="0">
+                <a:solidFill>
+                  <a:srgbClr val="0070C0"/>
+                </a:solidFill>
+              </a:rPr>
+              <a:t>www.rstudio.com/products/rstudio</a:t>
+            </a:r>
+          </a:p>
+          <a:p>
+            <a:endParaRPr lang="en-US" dirty="0"/>
+          </a:p>
+          <a:p>
+            <a:r>
+              <a:rPr lang="en-US" dirty="0"/>
+              <a:t>Install packages in RStudio console</a:t>
+            </a:r>
+            <a:endParaRPr lang="en-US" sz="2000" dirty="0">
+              <a:latin typeface="Courier New" panose="02070309020205020404" pitchFamily="49" charset="0"/>
+              <a:cs typeface="Courier New" panose="02070309020205020404" pitchFamily="49" charset="0"/>
+            </a:endParaRPr>
+          </a:p>
+          <a:p>
+            <a:pPr lvl="1"/>
+            <a:r>
+              <a:rPr lang="en-US" sz="1400" dirty="0" err="1">
+                <a:latin typeface="Courier New" panose="02070309020205020404" pitchFamily="49" charset="0"/>
+                <a:cs typeface="Courier New" panose="02070309020205020404" pitchFamily="49" charset="0"/>
+              </a:rPr>
+              <a:t>install.packages</a:t>
+            </a:r>
+            <a:r>
+              <a:rPr lang="en-US" sz="1400" dirty="0">
+                <a:latin typeface="Courier New" panose="02070309020205020404" pitchFamily="49" charset="0"/>
+                <a:cs typeface="Courier New" panose="02070309020205020404" pitchFamily="49" charset="0"/>
+              </a:rPr>
+              <a:t>(</a:t>
+            </a:r>
+            <a:r>
+              <a:rPr lang="en-US" sz="1400" dirty="0">
+                <a:solidFill>
+                  <a:srgbClr val="DD1144"/>
+                </a:solidFill>
+                <a:effectLst/>
+                <a:latin typeface="Courier New" panose="02070309020205020404" pitchFamily="49" charset="0"/>
+                <a:cs typeface="Courier New" panose="02070309020205020404" pitchFamily="49" charset="0"/>
+              </a:rPr>
+              <a:t>"</a:t>
+            </a:r>
+            <a:r>
+              <a:rPr lang="en-US" sz="1400" dirty="0" err="1">
+                <a:solidFill>
+                  <a:srgbClr val="DD1144"/>
+                </a:solidFill>
+                <a:effectLst/>
+                <a:latin typeface="Courier New" panose="02070309020205020404" pitchFamily="49" charset="0"/>
+                <a:cs typeface="Courier New" panose="02070309020205020404" pitchFamily="49" charset="0"/>
+              </a:rPr>
+              <a:t>tidyverse</a:t>
+            </a:r>
+            <a:r>
+              <a:rPr lang="en-US" sz="1400" dirty="0">
+                <a:solidFill>
+                  <a:srgbClr val="DD1144"/>
+                </a:solidFill>
+                <a:effectLst/>
+                <a:latin typeface="Courier New" panose="02070309020205020404" pitchFamily="49" charset="0"/>
+                <a:cs typeface="Courier New" panose="02070309020205020404" pitchFamily="49" charset="0"/>
+              </a:rPr>
+              <a:t>"</a:t>
+            </a:r>
+            <a:r>
+              <a:rPr lang="en-US" sz="1400" dirty="0">
+                <a:latin typeface="Courier New" panose="02070309020205020404" pitchFamily="49" charset="0"/>
+                <a:cs typeface="Courier New" panose="02070309020205020404" pitchFamily="49" charset="0"/>
+              </a:rPr>
+              <a:t>) </a:t>
+            </a:r>
+          </a:p>
+          <a:p>
+            <a:pPr lvl="1"/>
+            <a:r>
+              <a:rPr lang="en-US" sz="1400" dirty="0" err="1">
+                <a:latin typeface="Courier New" panose="02070309020205020404" pitchFamily="49" charset="0"/>
+                <a:cs typeface="Courier New" panose="02070309020205020404" pitchFamily="49" charset="0"/>
+              </a:rPr>
+              <a:t>install.packages</a:t>
+            </a:r>
+            <a:r>
+              <a:rPr lang="en-US" sz="1400" dirty="0">
+                <a:latin typeface="Courier New" panose="02070309020205020404" pitchFamily="49" charset="0"/>
+                <a:cs typeface="Courier New" panose="02070309020205020404" pitchFamily="49" charset="0"/>
+              </a:rPr>
+              <a:t>(</a:t>
+            </a:r>
+            <a:r>
+              <a:rPr lang="en-US" sz="1400" dirty="0">
+                <a:solidFill>
+                  <a:srgbClr val="DD1144"/>
+                </a:solidFill>
+                <a:effectLst/>
+                <a:latin typeface="Courier New" panose="02070309020205020404" pitchFamily="49" charset="0"/>
+                <a:cs typeface="Courier New" panose="02070309020205020404" pitchFamily="49" charset="0"/>
+              </a:rPr>
+              <a:t>"</a:t>
+            </a:r>
+            <a:r>
+              <a:rPr lang="en-US" sz="1400" dirty="0" err="1">
+                <a:solidFill>
+                  <a:srgbClr val="DD1144"/>
+                </a:solidFill>
+                <a:effectLst/>
+                <a:latin typeface="Courier New" panose="02070309020205020404" pitchFamily="49" charset="0"/>
+                <a:cs typeface="Courier New" panose="02070309020205020404" pitchFamily="49" charset="0"/>
+              </a:rPr>
+              <a:t>BiocManager</a:t>
+            </a:r>
+            <a:r>
+              <a:rPr lang="en-US" sz="1400" dirty="0">
+                <a:solidFill>
+                  <a:srgbClr val="DD1144"/>
+                </a:solidFill>
+                <a:effectLst/>
+                <a:latin typeface="Courier New" panose="02070309020205020404" pitchFamily="49" charset="0"/>
+                <a:cs typeface="Courier New" panose="02070309020205020404" pitchFamily="49" charset="0"/>
+              </a:rPr>
+              <a:t>"</a:t>
+            </a:r>
+            <a:r>
+              <a:rPr lang="en-US" sz="1400" dirty="0">
+                <a:latin typeface="Courier New" panose="02070309020205020404" pitchFamily="49" charset="0"/>
+                <a:cs typeface="Courier New" panose="02070309020205020404" pitchFamily="49" charset="0"/>
+              </a:rPr>
+              <a:t>) </a:t>
+            </a:r>
+          </a:p>
+          <a:p>
+            <a:pPr lvl="1"/>
+            <a:r>
+              <a:rPr lang="en-US" sz="1400" dirty="0" err="1">
+                <a:latin typeface="Courier New" panose="02070309020205020404" pitchFamily="49" charset="0"/>
+                <a:cs typeface="Courier New" panose="02070309020205020404" pitchFamily="49" charset="0"/>
+              </a:rPr>
+              <a:t>BiocManager</a:t>
+            </a:r>
+            <a:r>
+              <a:rPr lang="en-US" sz="1400" dirty="0">
+                <a:latin typeface="Courier New" panose="02070309020205020404" pitchFamily="49" charset="0"/>
+                <a:cs typeface="Courier New" panose="02070309020205020404" pitchFamily="49" charset="0"/>
+              </a:rPr>
+              <a:t>::install(</a:t>
+            </a:r>
+            <a:r>
+              <a:rPr lang="en-US" sz="1400" dirty="0">
+                <a:solidFill>
+                  <a:srgbClr val="DD1144"/>
+                </a:solidFill>
+                <a:effectLst/>
+                <a:latin typeface="Courier New" panose="02070309020205020404" pitchFamily="49" charset="0"/>
+                <a:cs typeface="Courier New" panose="02070309020205020404" pitchFamily="49" charset="0"/>
+              </a:rPr>
+              <a:t>"</a:t>
+            </a:r>
+            <a:r>
+              <a:rPr lang="en-US" sz="1400" dirty="0" err="1">
+                <a:solidFill>
+                  <a:srgbClr val="DD1144"/>
+                </a:solidFill>
+                <a:effectLst/>
+                <a:latin typeface="Courier New" panose="02070309020205020404" pitchFamily="49" charset="0"/>
+                <a:cs typeface="Courier New" panose="02070309020205020404" pitchFamily="49" charset="0"/>
+              </a:rPr>
+              <a:t>limma</a:t>
+            </a:r>
+            <a:r>
+              <a:rPr lang="en-US" sz="1400" dirty="0">
+                <a:solidFill>
+                  <a:srgbClr val="DD1144"/>
+                </a:solidFill>
+                <a:effectLst/>
+                <a:latin typeface="Courier New" panose="02070309020205020404" pitchFamily="49" charset="0"/>
+                <a:cs typeface="Courier New" panose="02070309020205020404" pitchFamily="49" charset="0"/>
+              </a:rPr>
+              <a:t>"</a:t>
+            </a:r>
+            <a:r>
+              <a:rPr lang="en-US" sz="1400" dirty="0">
+                <a:latin typeface="Courier New" panose="02070309020205020404" pitchFamily="49" charset="0"/>
+                <a:cs typeface="Courier New" panose="02070309020205020404" pitchFamily="49" charset="0"/>
+              </a:rPr>
+              <a:t>)</a:t>
+            </a:r>
+            <a:endParaRPr lang="en-US" sz="1800" dirty="0">
+              <a:latin typeface="Courier New" panose="02070309020205020404" pitchFamily="49" charset="0"/>
+              <a:cs typeface="Courier New" panose="02070309020205020404" pitchFamily="49" charset="0"/>
+            </a:endParaRPr>
+          </a:p>
+        </p:txBody>
+      </p:sp>
+    </p:spTree>
+    <p:extLst>
+      <p:ext uri="{BB962C8B-B14F-4D97-AF65-F5344CB8AC3E}">
+        <p14:creationId xmlns:p14="http://schemas.microsoft.com/office/powerpoint/2010/main" val="2346869410"/>
+      </p:ext>
+    </p:extLst>
+  </p:cSld>
+  <p:clrMapOvr>
+    <a:masterClrMapping/>
+  </p:clrMapOvr>
+</p:sld>
+</file>
+
+<file path=ppt/slides/slide10.xml><?xml version="1.0" encoding="utf-8"?>
 <p:sld xmlns:a="http://schemas.openxmlformats.org/drawingml/2006/main" xmlns:r="http://schemas.openxmlformats.org/officeDocument/2006/relationships" xmlns:p="http://schemas.openxmlformats.org/presentationml/2006/main">
   <p:cSld>
     <p:spTree>
@@ -6781,7 +7105,7 @@
           <p:cNvPr id="2" name="Title 1">
             <a:extLst>
               <a:ext uri="{FF2B5EF4-FFF2-40B4-BE49-F238E27FC236}">
-                <a16:creationId xmlns:a16="http://schemas.microsoft.com/office/drawing/2014/main" id="{7D13644E-C3A2-5D66-2A1F-D9F17B0019AC}"/>
+                <a16:creationId xmlns:a16="http://schemas.microsoft.com/office/drawing/2014/main" id="{B36C652D-906E-27E6-F97F-55619D9EEB07}"/>
               </a:ext>
             </a:extLst>
           </p:cNvPr>
@@ -6799,7 +7123,7 @@
           <a:p>
             <a:r>
               <a:rPr lang="en-US" dirty="0"/>
-              <a:t>Before we start, please…</a:t>
+              <a:t>Introduction to the data</a:t>
             </a:r>
           </a:p>
         </p:txBody>
@@ -6809,7 +7133,7 @@
           <p:cNvPr id="3" name="Content Placeholder 2">
             <a:extLst>
               <a:ext uri="{FF2B5EF4-FFF2-40B4-BE49-F238E27FC236}">
-                <a16:creationId xmlns:a16="http://schemas.microsoft.com/office/drawing/2014/main" id="{C5052EF5-963D-2612-85F1-26983B66D8C2}"/>
+                <a16:creationId xmlns:a16="http://schemas.microsoft.com/office/drawing/2014/main" id="{BB9EEE7C-3BAD-6794-B760-7D5AE6CA5FA1}"/>
               </a:ext>
             </a:extLst>
           </p:cNvPr>
@@ -6820,259 +7144,75 @@
             <p:ph idx="1"/>
           </p:nvPr>
         </p:nvSpPr>
-        <p:spPr>
-          <a:xfrm>
-            <a:off x="838200" y="1491343"/>
-            <a:ext cx="10515600" cy="5001532"/>
-          </a:xfrm>
-        </p:spPr>
+        <p:spPr/>
         <p:txBody>
           <a:bodyPr>
             <a:normAutofit/>
           </a:bodyPr>
           <a:lstStyle/>
           <a:p>
-            <a:pPr marL="0" indent="0">
-              <a:buNone/>
-            </a:pPr>
-            <a:endParaRPr lang="en-US" dirty="0"/>
-          </a:p>
-          <a:p>
+            <a:endParaRPr lang="en-US" i="1" dirty="0"/>
+          </a:p>
+          <a:p>
+            <a:r>
+              <a:rPr lang="en-US" i="1" dirty="0"/>
+              <a:t>Mycobacterium tuberculosis </a:t>
+            </a:r>
             <a:r>
               <a:rPr lang="en-US" dirty="0"/>
-              <a:t>Download the data </a:t>
-            </a:r>
-            <a:r>
-              <a:rPr lang="en-US" dirty="0">
-                <a:solidFill>
-                  <a:srgbClr val="0070C0"/>
-                </a:solidFill>
-              </a:rPr>
-              <a:t>https://github.com/BIGslu/workshops/raw/main/setup/data/data.zip</a:t>
-            </a:r>
-          </a:p>
-          <a:p>
+              <a:t>(</a:t>
+            </a:r>
+            <a:r>
+              <a:rPr lang="en-US" dirty="0" err="1"/>
+              <a:t>Mtb</a:t>
+            </a:r>
             <a:r>
               <a:rPr lang="en-US" dirty="0"/>
-              <a:t>Install R </a:t>
-            </a:r>
-            <a:r>
-              <a:rPr lang="en-US" dirty="0">
-                <a:solidFill>
-                  <a:srgbClr val="0070C0"/>
-                </a:solidFill>
-              </a:rPr>
-              <a:t>cran.r-project.org</a:t>
+              <a:t>) is the causative agent of tuberculosis (TB)</a:t>
             </a:r>
           </a:p>
           <a:p>
             <a:r>
               <a:rPr lang="en-US" dirty="0"/>
-              <a:t>Install RStudio </a:t>
-            </a:r>
-            <a:r>
-              <a:rPr lang="en-US" dirty="0">
-                <a:solidFill>
-                  <a:srgbClr val="0070C0"/>
-                </a:solidFill>
-              </a:rPr>
-              <a:t>www.rstudio.com/products/rstudio</a:t>
-            </a:r>
-          </a:p>
-          <a:p>
-            <a:endParaRPr lang="en-US" dirty="0"/>
-          </a:p>
-          <a:p>
+              <a:t>TB is among the top infectious killers worldwide… and had been for centuries</a:t>
+            </a:r>
+          </a:p>
+          <a:p>
+            <a:r>
+              <a:rPr lang="en-US" dirty="0" err="1"/>
+              <a:t>Mtb</a:t>
+            </a:r>
             <a:r>
               <a:rPr lang="en-US" dirty="0"/>
-              <a:t>Install packages in RStudio console</a:t>
-            </a:r>
-            <a:endParaRPr lang="en-US" sz="2000" dirty="0">
-              <a:latin typeface="Courier New" panose="02070309020205020404" pitchFamily="49" charset="0"/>
-              <a:cs typeface="Courier New" panose="02070309020205020404" pitchFamily="49" charset="0"/>
-            </a:endParaRPr>
-          </a:p>
-          <a:p>
-            <a:pPr lvl="1"/>
-            <a:r>
-              <a:rPr lang="en-US" sz="1400" dirty="0" err="1">
-                <a:latin typeface="Courier New" panose="02070309020205020404" pitchFamily="49" charset="0"/>
-                <a:cs typeface="Courier New" panose="02070309020205020404" pitchFamily="49" charset="0"/>
-              </a:rPr>
-              <a:t>install.packages</a:t>
-            </a:r>
-            <a:r>
-              <a:rPr lang="en-US" sz="1400" dirty="0">
-                <a:latin typeface="Courier New" panose="02070309020205020404" pitchFamily="49" charset="0"/>
-                <a:cs typeface="Courier New" panose="02070309020205020404" pitchFamily="49" charset="0"/>
-              </a:rPr>
-              <a:t>(</a:t>
-            </a:r>
-            <a:r>
-              <a:rPr lang="en-US" sz="1400" dirty="0">
-                <a:solidFill>
-                  <a:srgbClr val="DD1144"/>
-                </a:solidFill>
-                <a:effectLst/>
-                <a:latin typeface="Courier New" panose="02070309020205020404" pitchFamily="49" charset="0"/>
-                <a:cs typeface="Courier New" panose="02070309020205020404" pitchFamily="49" charset="0"/>
-              </a:rPr>
-              <a:t>"</a:t>
-            </a:r>
-            <a:r>
-              <a:rPr lang="en-US" sz="1400" dirty="0" err="1">
-                <a:solidFill>
-                  <a:srgbClr val="DD1144"/>
-                </a:solidFill>
-                <a:effectLst/>
-                <a:latin typeface="Courier New" panose="02070309020205020404" pitchFamily="49" charset="0"/>
-                <a:cs typeface="Courier New" panose="02070309020205020404" pitchFamily="49" charset="0"/>
-              </a:rPr>
-              <a:t>tidyverse</a:t>
-            </a:r>
-            <a:r>
-              <a:rPr lang="en-US" sz="1400" dirty="0">
-                <a:solidFill>
-                  <a:srgbClr val="DD1144"/>
-                </a:solidFill>
-                <a:effectLst/>
-                <a:latin typeface="Courier New" panose="02070309020205020404" pitchFamily="49" charset="0"/>
-                <a:cs typeface="Courier New" panose="02070309020205020404" pitchFamily="49" charset="0"/>
-              </a:rPr>
-              <a:t>"</a:t>
-            </a:r>
-            <a:r>
-              <a:rPr lang="en-US" sz="1400" dirty="0">
-                <a:latin typeface="Courier New" panose="02070309020205020404" pitchFamily="49" charset="0"/>
-                <a:cs typeface="Courier New" panose="02070309020205020404" pitchFamily="49" charset="0"/>
-              </a:rPr>
-              <a:t>) </a:t>
-            </a:r>
-          </a:p>
-          <a:p>
-            <a:pPr lvl="1"/>
-            <a:r>
-              <a:rPr lang="en-US" sz="1400" dirty="0" err="1">
-                <a:latin typeface="Courier New" panose="02070309020205020404" pitchFamily="49" charset="0"/>
-                <a:cs typeface="Courier New" panose="02070309020205020404" pitchFamily="49" charset="0"/>
-              </a:rPr>
-              <a:t>install.packages</a:t>
-            </a:r>
-            <a:r>
-              <a:rPr lang="en-US" sz="1400" dirty="0">
-                <a:latin typeface="Courier New" panose="02070309020205020404" pitchFamily="49" charset="0"/>
-                <a:cs typeface="Courier New" panose="02070309020205020404" pitchFamily="49" charset="0"/>
-              </a:rPr>
-              <a:t>(</a:t>
-            </a:r>
-            <a:r>
-              <a:rPr lang="en-US" sz="1400" dirty="0">
-                <a:solidFill>
-                  <a:srgbClr val="DD1144"/>
-                </a:solidFill>
-                <a:effectLst/>
-                <a:latin typeface="Courier New" panose="02070309020205020404" pitchFamily="49" charset="0"/>
-                <a:cs typeface="Courier New" panose="02070309020205020404" pitchFamily="49" charset="0"/>
-              </a:rPr>
-              <a:t>"</a:t>
-            </a:r>
-            <a:r>
-              <a:rPr lang="en-US" sz="1400" dirty="0" err="1">
-                <a:solidFill>
-                  <a:srgbClr val="DD1144"/>
-                </a:solidFill>
-                <a:effectLst/>
-                <a:latin typeface="Courier New" panose="02070309020205020404" pitchFamily="49" charset="0"/>
-                <a:cs typeface="Courier New" panose="02070309020205020404" pitchFamily="49" charset="0"/>
-              </a:rPr>
-              <a:t>BiocManager</a:t>
-            </a:r>
-            <a:r>
-              <a:rPr lang="en-US" sz="1400" dirty="0">
-                <a:solidFill>
-                  <a:srgbClr val="DD1144"/>
-                </a:solidFill>
-                <a:effectLst/>
-                <a:latin typeface="Courier New" panose="02070309020205020404" pitchFamily="49" charset="0"/>
-                <a:cs typeface="Courier New" panose="02070309020205020404" pitchFamily="49" charset="0"/>
-              </a:rPr>
-              <a:t>"</a:t>
-            </a:r>
-            <a:r>
-              <a:rPr lang="en-US" sz="1400" dirty="0">
-                <a:latin typeface="Courier New" panose="02070309020205020404" pitchFamily="49" charset="0"/>
-                <a:cs typeface="Courier New" panose="02070309020205020404" pitchFamily="49" charset="0"/>
-              </a:rPr>
-              <a:t>) </a:t>
-            </a:r>
-          </a:p>
-          <a:p>
-            <a:pPr lvl="1"/>
-            <a:r>
-              <a:rPr lang="en-US" sz="1400" dirty="0" err="1">
-                <a:latin typeface="Courier New" panose="02070309020205020404" pitchFamily="49" charset="0"/>
-                <a:cs typeface="Courier New" panose="02070309020205020404" pitchFamily="49" charset="0"/>
-              </a:rPr>
-              <a:t>BiocManager</a:t>
-            </a:r>
-            <a:r>
-              <a:rPr lang="en-US" sz="1400" dirty="0">
-                <a:latin typeface="Courier New" panose="02070309020205020404" pitchFamily="49" charset="0"/>
-                <a:cs typeface="Courier New" panose="02070309020205020404" pitchFamily="49" charset="0"/>
-              </a:rPr>
-              <a:t>::install(</a:t>
-            </a:r>
-            <a:r>
-              <a:rPr lang="en-US" sz="1400" dirty="0">
-                <a:solidFill>
-                  <a:srgbClr val="DD1144"/>
-                </a:solidFill>
-                <a:effectLst/>
-                <a:latin typeface="Courier New" panose="02070309020205020404" pitchFamily="49" charset="0"/>
-                <a:cs typeface="Courier New" panose="02070309020205020404" pitchFamily="49" charset="0"/>
-              </a:rPr>
-              <a:t>"</a:t>
-            </a:r>
-            <a:r>
-              <a:rPr lang="en-US" sz="1400" dirty="0" err="1">
-                <a:solidFill>
-                  <a:srgbClr val="DD1144"/>
-                </a:solidFill>
-                <a:effectLst/>
-                <a:latin typeface="Courier New" panose="02070309020205020404" pitchFamily="49" charset="0"/>
-                <a:cs typeface="Courier New" panose="02070309020205020404" pitchFamily="49" charset="0"/>
-              </a:rPr>
-              <a:t>limma</a:t>
-            </a:r>
-            <a:r>
-              <a:rPr lang="en-US" sz="1400" dirty="0">
-                <a:solidFill>
-                  <a:srgbClr val="DD1144"/>
-                </a:solidFill>
-                <a:effectLst/>
-                <a:latin typeface="Courier New" panose="02070309020205020404" pitchFamily="49" charset="0"/>
-                <a:cs typeface="Courier New" panose="02070309020205020404" pitchFamily="49" charset="0"/>
-              </a:rPr>
-              <a:t>"</a:t>
-            </a:r>
-            <a:r>
-              <a:rPr lang="en-US" sz="1400" dirty="0">
-                <a:latin typeface="Courier New" panose="02070309020205020404" pitchFamily="49" charset="0"/>
-                <a:cs typeface="Courier New" panose="02070309020205020404" pitchFamily="49" charset="0"/>
-              </a:rPr>
-              <a:t>)</a:t>
-            </a:r>
-            <a:endParaRPr lang="en-US" sz="1800" dirty="0">
-              <a:latin typeface="Courier New" panose="02070309020205020404" pitchFamily="49" charset="0"/>
-              <a:cs typeface="Courier New" panose="02070309020205020404" pitchFamily="49" charset="0"/>
-            </a:endParaRPr>
+              <a:t> predominantly infects lung macrophages</a:t>
+            </a:r>
+          </a:p>
+          <a:p>
+            <a:r>
+              <a:rPr lang="en-US" dirty="0"/>
+              <a:t>Exposure to </a:t>
+            </a:r>
+            <a:r>
+              <a:rPr lang="en-US" dirty="0" err="1"/>
+              <a:t>Mtb</a:t>
+            </a:r>
+            <a:r>
+              <a:rPr lang="en-US" dirty="0"/>
+              <a:t> results in infection that is cleared, contained, or progresses to disease</a:t>
+            </a:r>
+          </a:p>
+          <a:p>
+            <a:r>
+              <a:rPr lang="en-US" dirty="0"/>
+              <a:t>Mechanisms that distinguish these outcomes are unknown</a:t>
+            </a:r>
           </a:p>
         </p:txBody>
       </p:sp>
     </p:spTree>
     <p:extLst>
       <p:ext uri="{BB962C8B-B14F-4D97-AF65-F5344CB8AC3E}">
-        <p14:creationId xmlns:p14="http://schemas.microsoft.com/office/powerpoint/2010/main" val="2346869410"/>
+        <p14:creationId xmlns:p14="http://schemas.microsoft.com/office/powerpoint/2010/main" val="1741824754"/>
       </p:ext>
     </p:extLst>
   </p:cSld>
@@ -7082,8 +7222,8 @@
 </p:sld>
 </file>
 
-<file path=ppt/slides/slide10.xml><?xml version="1.0" encoding="utf-8"?>
-<p:sld xmlns:a="http://schemas.openxmlformats.org/drawingml/2006/main" xmlns:r="http://schemas.openxmlformats.org/officeDocument/2006/relationships" xmlns:p="http://schemas.openxmlformats.org/presentationml/2006/main">
+<file path=ppt/slides/slide11.xml><?xml version="1.0" encoding="utf-8"?>
+<p:sld xmlns:a="http://schemas.openxmlformats.org/drawingml/2006/main" xmlns:r="http://schemas.openxmlformats.org/officeDocument/2006/relationships" xmlns:p="http://schemas.openxmlformats.org/presentationml/2006/main" show="0">
   <p:cSld>
     <p:spTree>
       <p:nvGrpSpPr>
@@ -7263,6 +7403,12 @@
               <a:t>Kim Dill-McFarland (she/her)</a:t>
             </a:r>
           </a:p>
+          <a:p>
+            <a:r>
+              <a:rPr lang="en-US" dirty="0"/>
+              <a:t>Senior bioinformatician, U. of Washington</a:t>
+            </a:r>
+          </a:p>
         </p:txBody>
       </p:sp>
     </p:spTree>
@@ -7279,6 +7425,375 @@
 </file>
 
 <file path=ppt/slides/slide3.xml><?xml version="1.0" encoding="utf-8"?>
+<p:sld xmlns:a="http://schemas.openxmlformats.org/drawingml/2006/main" xmlns:r="http://schemas.openxmlformats.org/officeDocument/2006/relationships" xmlns:p="http://schemas.openxmlformats.org/presentationml/2006/main">
+  <p:cSld>
+    <p:bg>
+      <p:bgPr>
+        <a:solidFill>
+          <a:schemeClr val="bg1"/>
+        </a:solidFill>
+        <a:effectLst/>
+      </p:bgPr>
+    </p:bg>
+    <p:spTree>
+      <p:nvGrpSpPr>
+        <p:cNvPr id="1" name=""/>
+        <p:cNvGrpSpPr/>
+        <p:nvPr/>
+      </p:nvGrpSpPr>
+      <p:grpSpPr>
+        <a:xfrm>
+          <a:off x="0" y="0"/>
+          <a:ext cx="0" cy="0"/>
+          <a:chOff x="0" y="0"/>
+          <a:chExt cx="0" cy="0"/>
+        </a:xfrm>
+      </p:grpSpPr>
+      <p:sp useBgFill="1">
+        <p:nvSpPr>
+          <p:cNvPr id="19" name="Rectangle 18">
+            <a:extLst>
+              <a:ext uri="{FF2B5EF4-FFF2-40B4-BE49-F238E27FC236}">
+                <a16:creationId xmlns:a16="http://schemas.microsoft.com/office/drawing/2014/main" id="{3346177D-ADC4-4968-B747-5CFCD390B5B9}"/>
+              </a:ext>
+              <a:ext uri="{C183D7F6-B498-43B3-948B-1728B52AA6E4}">
+                <adec:decorative xmlns:adec="http://schemas.microsoft.com/office/drawing/2017/decorative" val="1"/>
+              </a:ext>
+            </a:extLst>
+          </p:cNvPr>
+          <p:cNvSpPr>
+            <a:spLocks noGrp="1" noRot="1" noChangeAspect="1" noMove="1" noResize="1" noEditPoints="1" noAdjustHandles="1" noChangeArrowheads="1" noChangeShapeType="1" noTextEdit="1"/>
+          </p:cNvSpPr>
+          <p:nvPr>
+            <p:extLst>
+              <p:ext uri="{386F3935-93C4-4BCD-93E2-E3B085C9AB24}">
+                <p16:designElem xmlns:p16="http://schemas.microsoft.com/office/powerpoint/2015/main" val="1"/>
+              </p:ext>
+            </p:extLst>
+          </p:nvPr>
+        </p:nvSpPr>
+        <p:spPr>
+          <a:xfrm>
+            <a:off x="0" y="0"/>
+            <a:ext cx="12192000" cy="6858000"/>
+          </a:xfrm>
+          <a:prstGeom prst="rect">
+            <a:avLst/>
+          </a:prstGeom>
+          <a:ln w="12700" cap="flat" cmpd="sng" algn="ctr">
+            <a:noFill/>
+            <a:prstDash val="solid"/>
+            <a:miter lim="800000"/>
+          </a:ln>
+          <a:effectLst/>
+          <a:extLst>
+            <a:ext uri="{91240B29-F687-4F45-9708-019B960494DF}">
+              <a14:hiddenLine xmlns:a14="http://schemas.microsoft.com/office/drawing/2010/main" w="12700" cap="flat" cmpd="sng" algn="ctr">
+                <a:solidFill>
+                  <a:schemeClr val="accent1">
+                    <a:shade val="50000"/>
+                  </a:schemeClr>
+                </a:solidFill>
+                <a:prstDash val="solid"/>
+                <a:miter lim="800000"/>
+              </a14:hiddenLine>
+            </a:ext>
+          </a:extLst>
+        </p:spPr>
+        <p:style>
+          <a:lnRef idx="2">
+            <a:schemeClr val="accent1">
+              <a:shade val="50000"/>
+            </a:schemeClr>
+          </a:lnRef>
+          <a:fillRef idx="1">
+            <a:schemeClr val="accent1"/>
+          </a:fillRef>
+          <a:effectRef idx="0">
+            <a:schemeClr val="accent1"/>
+          </a:effectRef>
+          <a:fontRef idx="minor">
+            <a:schemeClr val="lt1"/>
+          </a:fontRef>
+        </p:style>
+        <p:txBody>
+          <a:bodyPr rtlCol="0" anchor="ctr"/>
+          <a:lstStyle/>
+          <a:p>
+            <a:pPr algn="ctr"/>
+            <a:endParaRPr lang="en-US"/>
+          </a:p>
+        </p:txBody>
+      </p:sp>
+      <p:pic>
+        <p:nvPicPr>
+          <p:cNvPr id="5" name="Picture 4" descr="A picture containing text, mountain, design&#10;&#10;Description automatically generated">
+            <a:extLst>
+              <a:ext uri="{FF2B5EF4-FFF2-40B4-BE49-F238E27FC236}">
+                <a16:creationId xmlns:a16="http://schemas.microsoft.com/office/drawing/2014/main" id="{27532499-77CA-CAFB-0415-D7FBE13A59A5}"/>
+              </a:ext>
+            </a:extLst>
+          </p:cNvPr>
+          <p:cNvPicPr>
+            <a:picLocks noChangeAspect="1"/>
+          </p:cNvPicPr>
+          <p:nvPr/>
+        </p:nvPicPr>
+        <p:blipFill>
+          <a:blip r:embed="rId2"/>
+          <a:stretch>
+            <a:fillRect/>
+          </a:stretch>
+        </p:blipFill>
+        <p:spPr>
+          <a:xfrm>
+            <a:off x="1068130" y="939743"/>
+            <a:ext cx="3876165" cy="4546818"/>
+          </a:xfrm>
+          <a:prstGeom prst="rect">
+            <a:avLst/>
+          </a:prstGeom>
+        </p:spPr>
+      </p:pic>
+      <p:sp>
+        <p:nvSpPr>
+          <p:cNvPr id="3" name="Content Placeholder 2">
+            <a:extLst>
+              <a:ext uri="{FF2B5EF4-FFF2-40B4-BE49-F238E27FC236}">
+                <a16:creationId xmlns:a16="http://schemas.microsoft.com/office/drawing/2014/main" id="{72179717-85DB-E139-4D39-249C45001492}"/>
+              </a:ext>
+            </a:extLst>
+          </p:cNvPr>
+          <p:cNvSpPr>
+            <a:spLocks noGrp="1"/>
+          </p:cNvSpPr>
+          <p:nvPr>
+            <p:ph idx="1"/>
+          </p:nvPr>
+        </p:nvSpPr>
+        <p:spPr>
+          <a:xfrm>
+            <a:off x="5596502" y="1193074"/>
+            <a:ext cx="5754896" cy="4410284"/>
+          </a:xfrm>
+        </p:spPr>
+        <p:txBody>
+          <a:bodyPr anchor="t">
+            <a:normAutofit/>
+          </a:bodyPr>
+          <a:lstStyle/>
+          <a:p>
+            <a:pPr marL="0" indent="0">
+              <a:buNone/>
+            </a:pPr>
+            <a:r>
+              <a:rPr lang="en-US" sz="2400" b="0" i="0" dirty="0">
+                <a:effectLst/>
+                <a:latin typeface="source sans pro" panose="020B0503030403020204" pitchFamily="34" charset="0"/>
+              </a:rPr>
+              <a:t>A local chapter of R-Ladies Global, R-Ladies Seattle exists to promote diversity in the R community, both in the US and worldwide. We are pro-actively inclusive of queer, trans, and all minority identities with additional sensitivity to intersectional identities (which many lead R-Ladies are).</a:t>
+            </a:r>
+            <a:r>
+              <a:rPr lang="en-US" sz="2400" dirty="0">
+                <a:latin typeface="source sans pro" panose="020B0503030403020204" pitchFamily="34" charset="0"/>
+              </a:rPr>
+              <a:t> </a:t>
+            </a:r>
+            <a:r>
+              <a:rPr lang="en-US" sz="2400" b="0" i="0" dirty="0">
+                <a:effectLst/>
+                <a:latin typeface="source sans pro" panose="020B0503030403020204" pitchFamily="34" charset="0"/>
+              </a:rPr>
+              <a:t>Our priority is to provide a safe community space for anyone identifying as a minority gender who is interested in </a:t>
+            </a:r>
+            <a:r>
+              <a:rPr lang="en-US" sz="2400" b="0" i="0">
+                <a:effectLst/>
+                <a:latin typeface="source sans pro" panose="020B0503030403020204" pitchFamily="34" charset="0"/>
+              </a:rPr>
+              <a:t>R.</a:t>
+            </a:r>
+            <a:endParaRPr lang="en-US" sz="2400" dirty="0">
+              <a:hlinkClick r:id="rId3"/>
+            </a:endParaRPr>
+          </a:p>
+          <a:p>
+            <a:pPr marL="0" indent="0">
+              <a:buNone/>
+            </a:pPr>
+            <a:r>
+              <a:rPr lang="en-US" sz="2400" dirty="0">
+                <a:hlinkClick r:id="rId3"/>
+              </a:rPr>
+              <a:t>https://rladiesseattle.org/</a:t>
+            </a:r>
+            <a:endParaRPr lang="en-US" sz="2400" dirty="0"/>
+          </a:p>
+          <a:p>
+            <a:endParaRPr lang="en-US" sz="2400" dirty="0"/>
+          </a:p>
+        </p:txBody>
+      </p:sp>
+      <p:sp>
+        <p:nvSpPr>
+          <p:cNvPr id="21" name="Rectangle 20">
+            <a:extLst>
+              <a:ext uri="{FF2B5EF4-FFF2-40B4-BE49-F238E27FC236}">
+                <a16:creationId xmlns:a16="http://schemas.microsoft.com/office/drawing/2014/main" id="{0844A943-BF79-4FEA-ABB1-3BD54D236606}"/>
+              </a:ext>
+              <a:ext uri="{C183D7F6-B498-43B3-948B-1728B52AA6E4}">
+                <adec:decorative xmlns:adec="http://schemas.microsoft.com/office/drawing/2017/decorative" val="1"/>
+              </a:ext>
+            </a:extLst>
+          </p:cNvPr>
+          <p:cNvSpPr>
+            <a:spLocks noGrp="1" noRot="1" noChangeAspect="1" noMove="1" noResize="1" noEditPoints="1" noAdjustHandles="1" noChangeArrowheads="1" noChangeShapeType="1" noTextEdit="1"/>
+          </p:cNvSpPr>
+          <p:nvPr>
+            <p:extLst>
+              <p:ext uri="{386F3935-93C4-4BCD-93E2-E3B085C9AB24}">
+                <p16:designElem xmlns:p16="http://schemas.microsoft.com/office/powerpoint/2015/main" val="1"/>
+              </p:ext>
+            </p:extLst>
+          </p:nvPr>
+        </p:nvSpPr>
+        <p:spPr>
+          <a:xfrm rot="10800000" flipH="1">
+            <a:off x="0" y="6400799"/>
+            <a:ext cx="12192000" cy="456773"/>
+          </a:xfrm>
+          <a:prstGeom prst="rect">
+            <a:avLst/>
+          </a:prstGeom>
+          <a:gradFill>
+            <a:gsLst>
+              <a:gs pos="0">
+                <a:schemeClr val="accent1"/>
+              </a:gs>
+              <a:gs pos="90000">
+                <a:srgbClr val="000000"/>
+              </a:gs>
+            </a:gsLst>
+            <a:lin ang="2400000" scaled="0"/>
+          </a:gradFill>
+          <a:ln>
+            <a:noFill/>
+          </a:ln>
+        </p:spPr>
+        <p:style>
+          <a:lnRef idx="2">
+            <a:schemeClr val="accent1">
+              <a:shade val="50000"/>
+            </a:schemeClr>
+          </a:lnRef>
+          <a:fillRef idx="1">
+            <a:schemeClr val="accent1"/>
+          </a:fillRef>
+          <a:effectRef idx="0">
+            <a:schemeClr val="accent1"/>
+          </a:effectRef>
+          <a:fontRef idx="minor">
+            <a:schemeClr val="lt1"/>
+          </a:fontRef>
+        </p:style>
+        <p:txBody>
+          <a:bodyPr rtlCol="0" anchor="ctr"/>
+          <a:lstStyle/>
+          <a:p>
+            <a:pPr algn="ctr"/>
+            <a:endParaRPr lang="en-US"/>
+          </a:p>
+        </p:txBody>
+      </p:sp>
+      <p:sp>
+        <p:nvSpPr>
+          <p:cNvPr id="23" name="Rectangle 22">
+            <a:extLst>
+              <a:ext uri="{FF2B5EF4-FFF2-40B4-BE49-F238E27FC236}">
+                <a16:creationId xmlns:a16="http://schemas.microsoft.com/office/drawing/2014/main" id="{6437CC72-F4A8-4DC3-AFAB-D22C482C8100}"/>
+              </a:ext>
+              <a:ext uri="{C183D7F6-B498-43B3-948B-1728B52AA6E4}">
+                <adec:decorative xmlns:adec="http://schemas.microsoft.com/office/drawing/2017/decorative" val="1"/>
+              </a:ext>
+            </a:extLst>
+          </p:cNvPr>
+          <p:cNvSpPr>
+            <a:spLocks noGrp="1" noRot="1" noChangeAspect="1" noMove="1" noResize="1" noEditPoints="1" noAdjustHandles="1" noChangeArrowheads="1" noChangeShapeType="1" noTextEdit="1"/>
+          </p:cNvSpPr>
+          <p:nvPr>
+            <p:extLst>
+              <p:ext uri="{386F3935-93C4-4BCD-93E2-E3B085C9AB24}">
+                <p16:designElem xmlns:p16="http://schemas.microsoft.com/office/powerpoint/2015/main" val="1"/>
+              </p:ext>
+            </p:extLst>
+          </p:nvPr>
+        </p:nvSpPr>
+        <p:spPr>
+          <a:xfrm flipH="1">
+            <a:off x="4038600" y="6400799"/>
+            <a:ext cx="8153398" cy="456772"/>
+          </a:xfrm>
+          <a:prstGeom prst="rect">
+            <a:avLst/>
+          </a:prstGeom>
+          <a:gradFill>
+            <a:gsLst>
+              <a:gs pos="0">
+                <a:srgbClr val="000000">
+                  <a:alpha val="50000"/>
+                </a:srgbClr>
+              </a:gs>
+              <a:gs pos="100000">
+                <a:schemeClr val="accent1">
+                  <a:lumMod val="75000"/>
+                </a:schemeClr>
+              </a:gs>
+            </a:gsLst>
+            <a:lin ang="13800000" scaled="0"/>
+          </a:gradFill>
+          <a:ln>
+            <a:noFill/>
+          </a:ln>
+        </p:spPr>
+        <p:style>
+          <a:lnRef idx="2">
+            <a:schemeClr val="accent1">
+              <a:shade val="50000"/>
+            </a:schemeClr>
+          </a:lnRef>
+          <a:fillRef idx="1">
+            <a:schemeClr val="accent1"/>
+          </a:fillRef>
+          <a:effectRef idx="0">
+            <a:schemeClr val="accent1"/>
+          </a:effectRef>
+          <a:fontRef idx="minor">
+            <a:schemeClr val="lt1"/>
+          </a:fontRef>
+        </p:style>
+        <p:txBody>
+          <a:bodyPr rtlCol="0" anchor="ctr"/>
+          <a:lstStyle/>
+          <a:p>
+            <a:pPr algn="ctr"/>
+            <a:endParaRPr lang="en-US"/>
+          </a:p>
+        </p:txBody>
+      </p:sp>
+    </p:spTree>
+    <p:extLst>
+      <p:ext uri="{BB962C8B-B14F-4D97-AF65-F5344CB8AC3E}">
+        <p14:creationId xmlns:p14="http://schemas.microsoft.com/office/powerpoint/2010/main" val="3874313646"/>
+      </p:ext>
+    </p:extLst>
+  </p:cSld>
+  <p:clrMapOvr>
+    <a:masterClrMapping/>
+  </p:clrMapOvr>
+</p:sld>
+</file>
+
+<file path=ppt/slides/slide4.xml><?xml version="1.0" encoding="utf-8"?>
 <p:sld xmlns:a="http://schemas.openxmlformats.org/drawingml/2006/main" xmlns:r="http://schemas.openxmlformats.org/officeDocument/2006/relationships" xmlns:p="http://schemas.openxmlformats.org/presentationml/2006/main">
   <p:cSld>
     <p:spTree>
@@ -7485,7 +8000,7 @@
 </p:sld>
 </file>
 
-<file path=ppt/slides/slide4.xml><?xml version="1.0" encoding="utf-8"?>
+<file path=ppt/slides/slide5.xml><?xml version="1.0" encoding="utf-8"?>
 <p:sld xmlns:a="http://schemas.openxmlformats.org/drawingml/2006/main" xmlns:r="http://schemas.openxmlformats.org/officeDocument/2006/relationships" xmlns:p="http://schemas.openxmlformats.org/presentationml/2006/main">
   <p:cSld>
     <p:spTree>
@@ -7659,7 +8174,7 @@
 </p:sld>
 </file>
 
-<file path=ppt/slides/slide5.xml><?xml version="1.0" encoding="utf-8"?>
+<file path=ppt/slides/slide6.xml><?xml version="1.0" encoding="utf-8"?>
 <p:sld xmlns:a="http://schemas.openxmlformats.org/drawingml/2006/main" xmlns:r="http://schemas.openxmlformats.org/officeDocument/2006/relationships" xmlns:p="http://schemas.openxmlformats.org/presentationml/2006/main">
   <p:cSld>
     <p:spTree>
@@ -7830,7 +8345,7 @@
 </p:sld>
 </file>
 
-<file path=ppt/slides/slide6.xml><?xml version="1.0" encoding="utf-8"?>
+<file path=ppt/slides/slide7.xml><?xml version="1.0" encoding="utf-8"?>
 <p:sld xmlns:a="http://schemas.openxmlformats.org/drawingml/2006/main" xmlns:r="http://schemas.openxmlformats.org/officeDocument/2006/relationships" xmlns:p="http://schemas.openxmlformats.org/presentationml/2006/main">
   <p:cSld>
     <p:spTree>
@@ -7919,177 +8434,6 @@
     <p:extLst>
       <p:ext uri="{BB962C8B-B14F-4D97-AF65-F5344CB8AC3E}">
         <p14:creationId xmlns:p14="http://schemas.microsoft.com/office/powerpoint/2010/main" val="1585571886"/>
-      </p:ext>
-    </p:extLst>
-  </p:cSld>
-  <p:clrMapOvr>
-    <a:masterClrMapping/>
-  </p:clrMapOvr>
-</p:sld>
-</file>
-
-<file path=ppt/slides/slide7.xml><?xml version="1.0" encoding="utf-8"?>
-<p:sld xmlns:a="http://schemas.openxmlformats.org/drawingml/2006/main" xmlns:r="http://schemas.openxmlformats.org/officeDocument/2006/relationships" xmlns:p="http://schemas.openxmlformats.org/presentationml/2006/main">
-  <p:cSld>
-    <p:spTree>
-      <p:nvGrpSpPr>
-        <p:cNvPr id="1" name=""/>
-        <p:cNvGrpSpPr/>
-        <p:nvPr/>
-      </p:nvGrpSpPr>
-      <p:grpSpPr>
-        <a:xfrm>
-          <a:off x="0" y="0"/>
-          <a:ext cx="0" cy="0"/>
-          <a:chOff x="0" y="0"/>
-          <a:chExt cx="0" cy="0"/>
-        </a:xfrm>
-      </p:grpSpPr>
-      <p:sp>
-        <p:nvSpPr>
-          <p:cNvPr id="2" name="Title 1">
-            <a:extLst>
-              <a:ext uri="{FF2B5EF4-FFF2-40B4-BE49-F238E27FC236}">
-                <a16:creationId xmlns:a16="http://schemas.microsoft.com/office/drawing/2014/main" id="{417E45D5-7E1C-B9FA-5657-770AF5202CE1}"/>
-              </a:ext>
-            </a:extLst>
-          </p:cNvPr>
-          <p:cNvSpPr>
-            <a:spLocks noGrp="1"/>
-          </p:cNvSpPr>
-          <p:nvPr>
-            <p:ph type="title"/>
-          </p:nvPr>
-        </p:nvSpPr>
-        <p:spPr/>
-        <p:txBody>
-          <a:bodyPr/>
-          <a:lstStyle/>
-          <a:p>
-            <a:r>
-              <a:rPr lang="en-US" dirty="0"/>
-              <a:t>Motivation</a:t>
-            </a:r>
-          </a:p>
-        </p:txBody>
-      </p:sp>
-      <p:sp>
-        <p:nvSpPr>
-          <p:cNvPr id="3" name="Content Placeholder 2">
-            <a:extLst>
-              <a:ext uri="{FF2B5EF4-FFF2-40B4-BE49-F238E27FC236}">
-                <a16:creationId xmlns:a16="http://schemas.microsoft.com/office/drawing/2014/main" id="{36750D50-6651-6B3A-FD36-B6634E166753}"/>
-              </a:ext>
-            </a:extLst>
-          </p:cNvPr>
-          <p:cNvSpPr>
-            <a:spLocks noGrp="1"/>
-          </p:cNvSpPr>
-          <p:nvPr>
-            <p:ph idx="1"/>
-          </p:nvPr>
-        </p:nvSpPr>
-        <p:spPr>
-          <a:xfrm>
-            <a:off x="838200" y="1690687"/>
-            <a:ext cx="10515600" cy="4802187"/>
-          </a:xfrm>
-        </p:spPr>
-        <p:txBody>
-          <a:bodyPr>
-            <a:normAutofit/>
-          </a:bodyPr>
-          <a:lstStyle/>
-          <a:p>
-            <a:r>
-              <a:rPr lang="en-US" dirty="0"/>
-              <a:t>Why write code?</a:t>
-            </a:r>
-          </a:p>
-          <a:p>
-            <a:pPr lvl="1"/>
-            <a:r>
-              <a:rPr lang="en-US" dirty="0"/>
-              <a:t>More reproducible (scripts!)</a:t>
-            </a:r>
-          </a:p>
-          <a:p>
-            <a:pPr lvl="1"/>
-            <a:r>
-              <a:rPr lang="en-US" dirty="0"/>
-              <a:t>Customization and control</a:t>
-            </a:r>
-          </a:p>
-          <a:p>
-            <a:pPr lvl="1"/>
-            <a:r>
-              <a:rPr lang="en-US" dirty="0"/>
-              <a:t>Access high-performance and high-throughput resources</a:t>
-            </a:r>
-          </a:p>
-          <a:p>
-            <a:endParaRPr lang="en-US" dirty="0"/>
-          </a:p>
-          <a:p>
-            <a:r>
-              <a:rPr lang="en-US" dirty="0"/>
-              <a:t>Why R?</a:t>
-            </a:r>
-          </a:p>
-          <a:p>
-            <a:pPr lvl="1"/>
-            <a:r>
-              <a:rPr lang="en-US" dirty="0"/>
-              <a:t>Open-source and free</a:t>
-            </a:r>
-          </a:p>
-          <a:p>
-            <a:pPr lvl="1"/>
-            <a:r>
-              <a:rPr lang="en-US" dirty="0"/>
-              <a:t>Supportive community</a:t>
-            </a:r>
-          </a:p>
-          <a:p>
-            <a:pPr lvl="1"/>
-            <a:r>
-              <a:rPr lang="en-US" dirty="0"/>
-              <a:t>Statistical foundation</a:t>
-            </a:r>
-          </a:p>
-          <a:p>
-            <a:pPr lvl="1"/>
-            <a:r>
-              <a:rPr lang="en-US" dirty="0"/>
-              <a:t>Well-documented and popular packages for </a:t>
-            </a:r>
-            <a:r>
-              <a:rPr lang="en-US" dirty="0" err="1"/>
-              <a:t>RNAseq</a:t>
-            </a:r>
-            <a:endParaRPr lang="en-US" dirty="0"/>
-          </a:p>
-          <a:p>
-            <a:pPr lvl="1"/>
-            <a:r>
-              <a:rPr lang="en-US" dirty="0"/>
-              <a:t>We could go on… We </a:t>
-            </a:r>
-            <a:r>
-              <a:rPr lang="en-US" sz="2000" dirty="0"/>
-              <a:t>💜</a:t>
-            </a:r>
-            <a:r>
-              <a:rPr lang="en-US" dirty="0"/>
-              <a:t> R</a:t>
-            </a:r>
-          </a:p>
-        </p:txBody>
-      </p:sp>
-    </p:spTree>
-    <p:extLst>
-      <p:ext uri="{BB962C8B-B14F-4D97-AF65-F5344CB8AC3E}">
-        <p14:creationId xmlns:p14="http://schemas.microsoft.com/office/powerpoint/2010/main" val="663214049"/>
       </p:ext>
     </p:extLst>
   </p:cSld>
@@ -8121,7 +8465,7 @@
           <p:cNvPr id="2" name="Title 1">
             <a:extLst>
               <a:ext uri="{FF2B5EF4-FFF2-40B4-BE49-F238E27FC236}">
-                <a16:creationId xmlns:a16="http://schemas.microsoft.com/office/drawing/2014/main" id="{B36C652D-906E-27E6-F97F-55619D9EEB07}"/>
+                <a16:creationId xmlns:a16="http://schemas.microsoft.com/office/drawing/2014/main" id="{417E45D5-7E1C-B9FA-5657-770AF5202CE1}"/>
               </a:ext>
             </a:extLst>
           </p:cNvPr>
@@ -8139,7 +8483,7 @@
           <a:p>
             <a:r>
               <a:rPr lang="en-US" dirty="0"/>
-              <a:t>Introduction to the data</a:t>
+              <a:t>Motivation</a:t>
             </a:r>
           </a:p>
         </p:txBody>
@@ -8149,7 +8493,7 @@
           <p:cNvPr id="3" name="Content Placeholder 2">
             <a:extLst>
               <a:ext uri="{FF2B5EF4-FFF2-40B4-BE49-F238E27FC236}">
-                <a16:creationId xmlns:a16="http://schemas.microsoft.com/office/drawing/2014/main" id="{BB9EEE7C-3BAD-6794-B760-7D5AE6CA5FA1}"/>
+                <a16:creationId xmlns:a16="http://schemas.microsoft.com/office/drawing/2014/main" id="{36750D50-6651-6B3A-FD36-B6634E166753}"/>
               </a:ext>
             </a:extLst>
           </p:cNvPr>
@@ -8160,116 +8504,107 @@
             <p:ph idx="1"/>
           </p:nvPr>
         </p:nvSpPr>
-        <p:spPr/>
+        <p:spPr>
+          <a:xfrm>
+            <a:off x="838200" y="1690687"/>
+            <a:ext cx="10515600" cy="4802187"/>
+          </a:xfrm>
+        </p:spPr>
         <p:txBody>
-          <a:bodyPr/>
+          <a:bodyPr>
+            <a:normAutofit/>
+          </a:bodyPr>
           <a:lstStyle/>
           <a:p>
-            <a:pPr marL="0" indent="0">
-              <a:buNone/>
-            </a:pPr>
+            <a:r>
+              <a:rPr lang="en-US" dirty="0"/>
+              <a:t>Why write code?</a:t>
+            </a:r>
+          </a:p>
+          <a:p>
+            <a:pPr lvl="1"/>
+            <a:r>
+              <a:rPr lang="en-US" dirty="0"/>
+              <a:t>More reproducible (scripts!)</a:t>
+            </a:r>
+          </a:p>
+          <a:p>
+            <a:pPr lvl="1"/>
+            <a:r>
+              <a:rPr lang="en-US" dirty="0"/>
+              <a:t>Customization and control</a:t>
+            </a:r>
+          </a:p>
+          <a:p>
+            <a:pPr lvl="1"/>
+            <a:r>
+              <a:rPr lang="en-US" dirty="0"/>
+              <a:t>Access high-performance and high-throughput resources</a:t>
+            </a:r>
+          </a:p>
+          <a:p>
             <a:endParaRPr lang="en-US" dirty="0"/>
           </a:p>
           <a:p>
-            <a:pPr marL="0" indent="0" algn="just">
-              <a:buNone/>
-            </a:pPr>
             <a:r>
               <a:rPr lang="en-US" dirty="0"/>
-              <a:t>Simmons JD, Dill-McFarland KA, </a:t>
-            </a:r>
-            <a:r>
-              <a:rPr lang="en-US" i="1" dirty="0"/>
-              <a:t>et al</a:t>
-            </a:r>
+              <a:t>Why R?</a:t>
+            </a:r>
+          </a:p>
+          <a:p>
+            <a:pPr lvl="1"/>
             <a:r>
               <a:rPr lang="en-US" dirty="0"/>
-              <a:t>. 2022. Monocyte transcriptional responses to </a:t>
-            </a:r>
-            <a:r>
-              <a:rPr lang="en-US" i="1" dirty="0"/>
-              <a:t>Mycobacterium tuberculosis</a:t>
-            </a:r>
+              <a:t>Open-source and free</a:t>
+            </a:r>
+          </a:p>
+          <a:p>
+            <a:pPr lvl="1"/>
             <a:r>
               <a:rPr lang="en-US" dirty="0"/>
-              <a:t> associate with resistance to tuberculin skin test and interferon gamma release assay conversion. </a:t>
+              <a:t>Supportive community</a:t>
+            </a:r>
+          </a:p>
+          <a:p>
+            <a:pPr lvl="1"/>
+            <a:r>
+              <a:rPr lang="en-US" dirty="0"/>
+              <a:t>Statistical foundation</a:t>
+            </a:r>
+          </a:p>
+          <a:p>
+            <a:pPr lvl="1"/>
+            <a:r>
+              <a:rPr lang="en-US" dirty="0"/>
+              <a:t>Well-documented and popular packages for </a:t>
             </a:r>
             <a:r>
               <a:rPr lang="en-US" dirty="0" err="1"/>
-              <a:t>mSphere</a:t>
-            </a:r>
+              <a:t>RNAseq</a:t>
+            </a:r>
+            <a:endParaRPr lang="en-US" dirty="0"/>
+          </a:p>
+          <a:p>
+            <a:pPr lvl="1"/>
             <a:r>
               <a:rPr lang="en-US" dirty="0"/>
-              <a:t>. In press.</a:t>
-            </a:r>
-          </a:p>
-          <a:p>
-            <a:endParaRPr lang="en-US" dirty="0"/>
-          </a:p>
-          <a:p>
-            <a:pPr marL="0" indent="0">
-              <a:buNone/>
-            </a:pPr>
-            <a:r>
-              <a:rPr lang="en-US" dirty="0">
-                <a:solidFill>
-                  <a:srgbClr val="0070C0"/>
-                </a:solidFill>
-              </a:rPr>
-              <a:t>https://</a:t>
-            </a:r>
-            <a:r>
-              <a:rPr lang="en-US" dirty="0" err="1">
-                <a:solidFill>
-                  <a:srgbClr val="0070C0"/>
-                </a:solidFill>
-              </a:rPr>
-              <a:t>github.com</a:t>
-            </a:r>
-            <a:r>
-              <a:rPr lang="en-US" dirty="0">
-                <a:solidFill>
-                  <a:srgbClr val="0070C0"/>
-                </a:solidFill>
-              </a:rPr>
-              <a:t>/</a:t>
-            </a:r>
-            <a:r>
-              <a:rPr lang="en-US" dirty="0" err="1">
-                <a:solidFill>
-                  <a:srgbClr val="0070C0"/>
-                </a:solidFill>
-              </a:rPr>
-              <a:t>hawn</a:t>
-            </a:r>
-            <a:r>
-              <a:rPr lang="en-US" dirty="0">
-                <a:solidFill>
-                  <a:srgbClr val="0070C0"/>
-                </a:solidFill>
-              </a:rPr>
-              <a:t>-lab/</a:t>
-            </a:r>
-            <a:r>
-              <a:rPr lang="en-US" dirty="0" err="1">
-                <a:solidFill>
-                  <a:srgbClr val="0070C0"/>
-                </a:solidFill>
-              </a:rPr>
-              <a:t>RSTR_RNAseq_Mtb_public</a:t>
-            </a:r>
-            <a:endParaRPr lang="en-US" dirty="0">
-              <a:solidFill>
-                <a:srgbClr val="0070C0"/>
-              </a:solidFill>
-            </a:endParaRPr>
+              <a:t>We could go on… We </a:t>
+            </a:r>
+            <a:r>
+              <a:rPr lang="en-US" sz="2000" dirty="0"/>
+              <a:t>💜</a:t>
+            </a:r>
+            <a:r>
+              <a:rPr lang="en-US" dirty="0"/>
+              <a:t> R</a:t>
+            </a:r>
           </a:p>
         </p:txBody>
       </p:sp>
     </p:spTree>
     <p:extLst>
       <p:ext uri="{BB962C8B-B14F-4D97-AF65-F5344CB8AC3E}">
-        <p14:creationId xmlns:p14="http://schemas.microsoft.com/office/powerpoint/2010/main" val="4063691786"/>
+        <p14:creationId xmlns:p14="http://schemas.microsoft.com/office/powerpoint/2010/main" val="663214049"/>
       </p:ext>
     </p:extLst>
   </p:cSld>
@@ -8342,73 +8677,114 @@
         </p:nvSpPr>
         <p:spPr/>
         <p:txBody>
-          <a:bodyPr>
-            <a:normAutofit/>
-          </a:bodyPr>
+          <a:bodyPr/>
           <a:lstStyle/>
           <a:p>
-            <a:endParaRPr lang="en-US" i="1" dirty="0"/>
-          </a:p>
-          <a:p>
+            <a:pPr marL="0" indent="0">
+              <a:buNone/>
+            </a:pPr>
+            <a:endParaRPr lang="en-US" dirty="0"/>
+          </a:p>
+          <a:p>
+            <a:pPr marL="0" indent="0" algn="just">
+              <a:buNone/>
+            </a:pPr>
+            <a:r>
+              <a:rPr lang="en-US" dirty="0"/>
+              <a:t>Simmons JD, Dill-McFarland KA, </a:t>
+            </a:r>
             <a:r>
               <a:rPr lang="en-US" i="1" dirty="0"/>
-              <a:t>Mycobacterium tuberculosis </a:t>
+              <a:t>et al</a:t>
             </a:r>
             <a:r>
               <a:rPr lang="en-US" dirty="0"/>
-              <a:t>(</a:t>
+              <a:t>. 2022. Monocyte transcriptional responses to </a:t>
+            </a:r>
+            <a:r>
+              <a:rPr lang="en-US" i="1" dirty="0"/>
+              <a:t>Mycobacterium tuberculosis</a:t>
+            </a:r>
+            <a:r>
+              <a:rPr lang="en-US" dirty="0"/>
+              <a:t> associate with resistance to tuberculin skin test and interferon gamma release assay conversion. </a:t>
             </a:r>
             <a:r>
               <a:rPr lang="en-US" dirty="0" err="1"/>
-              <a:t>Mtb</a:t>
+              <a:t>mSphere</a:t>
             </a:r>
             <a:r>
               <a:rPr lang="en-US" dirty="0"/>
-              <a:t>) is the causative agent of tuberculosis (TB)</a:t>
-            </a:r>
-          </a:p>
-          <a:p>
-            <a:r>
-              <a:rPr lang="en-US" dirty="0"/>
-              <a:t>TB is among the top infectious killers worldwide… and had been for centuries</a:t>
-            </a:r>
-          </a:p>
-          <a:p>
-            <a:r>
-              <a:rPr lang="en-US" dirty="0" err="1"/>
-              <a:t>Mtb</a:t>
-            </a:r>
-            <a:r>
-              <a:rPr lang="en-US" dirty="0"/>
-              <a:t> predominantly infects lung macrophages</a:t>
-            </a:r>
-          </a:p>
-          <a:p>
-            <a:r>
-              <a:rPr lang="en-US" dirty="0"/>
-              <a:t>Exposure to </a:t>
-            </a:r>
-            <a:r>
-              <a:rPr lang="en-US" dirty="0" err="1"/>
-              <a:t>Mtb</a:t>
-            </a:r>
-            <a:r>
-              <a:rPr lang="en-US" dirty="0"/>
-              <a:t> results in infection that is cleared, contained, or progresses to disease</a:t>
-            </a:r>
-          </a:p>
-          <a:p>
-            <a:r>
-              <a:rPr lang="en-US" dirty="0"/>
-              <a:t>Mechanisms that distinguish these outcomes are unknown</a:t>
-            </a:r>
+              <a:t>. In press.</a:t>
+            </a:r>
+          </a:p>
+          <a:p>
+            <a:endParaRPr lang="en-US" dirty="0"/>
+          </a:p>
+          <a:p>
+            <a:pPr marL="0" indent="0">
+              <a:buNone/>
+            </a:pPr>
+            <a:r>
+              <a:rPr lang="en-US" dirty="0">
+                <a:solidFill>
+                  <a:srgbClr val="0070C0"/>
+                </a:solidFill>
+              </a:rPr>
+              <a:t>https://</a:t>
+            </a:r>
+            <a:r>
+              <a:rPr lang="en-US" dirty="0" err="1">
+                <a:solidFill>
+                  <a:srgbClr val="0070C0"/>
+                </a:solidFill>
+              </a:rPr>
+              <a:t>github.com</a:t>
+            </a:r>
+            <a:r>
+              <a:rPr lang="en-US" dirty="0">
+                <a:solidFill>
+                  <a:srgbClr val="0070C0"/>
+                </a:solidFill>
+              </a:rPr>
+              <a:t>/</a:t>
+            </a:r>
+            <a:r>
+              <a:rPr lang="en-US" dirty="0" err="1">
+                <a:solidFill>
+                  <a:srgbClr val="0070C0"/>
+                </a:solidFill>
+              </a:rPr>
+              <a:t>hawn</a:t>
+            </a:r>
+            <a:r>
+              <a:rPr lang="en-US" dirty="0">
+                <a:solidFill>
+                  <a:srgbClr val="0070C0"/>
+                </a:solidFill>
+              </a:rPr>
+              <a:t>-lab/</a:t>
+            </a:r>
+            <a:r>
+              <a:rPr lang="en-US" dirty="0" err="1">
+                <a:solidFill>
+                  <a:srgbClr val="0070C0"/>
+                </a:solidFill>
+              </a:rPr>
+              <a:t>RSTR_RNAseq_Mtb_public</a:t>
+            </a:r>
+            <a:endParaRPr lang="en-US" dirty="0">
+              <a:solidFill>
+                <a:srgbClr val="0070C0"/>
+              </a:solidFill>
+            </a:endParaRPr>
           </a:p>
         </p:txBody>
       </p:sp>
     </p:spTree>
     <p:extLst>
       <p:ext uri="{BB962C8B-B14F-4D97-AF65-F5344CB8AC3E}">
-        <p14:creationId xmlns:p14="http://schemas.microsoft.com/office/powerpoint/2010/main" val="1741824754"/>
+        <p14:creationId xmlns:p14="http://schemas.microsoft.com/office/powerpoint/2010/main" val="4063691786"/>
       </p:ext>
     </p:extLst>
   </p:cSld>
